--- a/Sprint Planning/Scrum meeting 5.pptx
+++ b/Sprint Planning/Scrum meeting 5.pptx
@@ -259,7 +259,7 @@
           <a:p>
             <a:fld id="{5D61C842-B35D-4459-B706-73C50CD3B277}" type="datetimeFigureOut">
               <a:rPr lang="nl-NL" smtClean="0"/>
-              <a:t>19-5-2021</a:t>
+              <a:t>20-5-2021</a:t>
             </a:fld>
             <a:endParaRPr lang="nl-NL"/>
           </a:p>
@@ -439,7 +439,7 @@
           <a:p>
             <a:fld id="{5D61C842-B35D-4459-B706-73C50CD3B277}" type="datetimeFigureOut">
               <a:rPr lang="nl-NL" smtClean="0"/>
-              <a:t>19-5-2021</a:t>
+              <a:t>20-5-2021</a:t>
             </a:fld>
             <a:endParaRPr lang="nl-NL"/>
           </a:p>
@@ -623,7 +623,7 @@
           <a:p>
             <a:fld id="{5D61C842-B35D-4459-B706-73C50CD3B277}" type="datetimeFigureOut">
               <a:rPr lang="nl-NL" smtClean="0"/>
-              <a:t>19-5-2021</a:t>
+              <a:t>20-5-2021</a:t>
             </a:fld>
             <a:endParaRPr lang="nl-NL"/>
           </a:p>
@@ -793,7 +793,7 @@
           <a:p>
             <a:fld id="{5D61C842-B35D-4459-B706-73C50CD3B277}" type="datetimeFigureOut">
               <a:rPr lang="nl-NL" smtClean="0"/>
-              <a:t>19-5-2021</a:t>
+              <a:t>20-5-2021</a:t>
             </a:fld>
             <a:endParaRPr lang="nl-NL"/>
           </a:p>
@@ -1041,7 +1041,7 @@
           <a:p>
             <a:fld id="{5D61C842-B35D-4459-B706-73C50CD3B277}" type="datetimeFigureOut">
               <a:rPr lang="nl-NL" smtClean="0"/>
-              <a:t>19-5-2021</a:t>
+              <a:t>20-5-2021</a:t>
             </a:fld>
             <a:endParaRPr lang="nl-NL"/>
           </a:p>
@@ -1278,7 +1278,7 @@
           <a:p>
             <a:fld id="{5D61C842-B35D-4459-B706-73C50CD3B277}" type="datetimeFigureOut">
               <a:rPr lang="nl-NL" smtClean="0"/>
-              <a:t>19-5-2021</a:t>
+              <a:t>20-5-2021</a:t>
             </a:fld>
             <a:endParaRPr lang="nl-NL"/>
           </a:p>
@@ -1663,7 +1663,7 @@
           <a:p>
             <a:fld id="{5D61C842-B35D-4459-B706-73C50CD3B277}" type="datetimeFigureOut">
               <a:rPr lang="nl-NL" smtClean="0"/>
-              <a:t>19-5-2021</a:t>
+              <a:t>20-5-2021</a:t>
             </a:fld>
             <a:endParaRPr lang="nl-NL"/>
           </a:p>
@@ -1781,7 +1781,7 @@
           <a:p>
             <a:fld id="{5D61C842-B35D-4459-B706-73C50CD3B277}" type="datetimeFigureOut">
               <a:rPr lang="nl-NL" smtClean="0"/>
-              <a:t>19-5-2021</a:t>
+              <a:t>20-5-2021</a:t>
             </a:fld>
             <a:endParaRPr lang="nl-NL"/>
           </a:p>
@@ -1876,7 +1876,7 @@
           <a:p>
             <a:fld id="{5D61C842-B35D-4459-B706-73C50CD3B277}" type="datetimeFigureOut">
               <a:rPr lang="nl-NL" smtClean="0"/>
-              <a:t>19-5-2021</a:t>
+              <a:t>20-5-2021</a:t>
             </a:fld>
             <a:endParaRPr lang="nl-NL"/>
           </a:p>
@@ -2127,7 +2127,7 @@
           <a:p>
             <a:fld id="{5D61C842-B35D-4459-B706-73C50CD3B277}" type="datetimeFigureOut">
               <a:rPr lang="nl-NL" smtClean="0"/>
-              <a:t>19-5-2021</a:t>
+              <a:t>20-5-2021</a:t>
             </a:fld>
             <a:endParaRPr lang="nl-NL"/>
           </a:p>
@@ -2518,7 +2518,7 @@
           <a:p>
             <a:fld id="{5D61C842-B35D-4459-B706-73C50CD3B277}" type="datetimeFigureOut">
               <a:rPr lang="nl-NL" smtClean="0"/>
-              <a:t>19-5-2021</a:t>
+              <a:t>20-5-2021</a:t>
             </a:fld>
             <a:endParaRPr lang="nl-NL"/>
           </a:p>
@@ -2736,7 +2736,7 @@
           <a:p>
             <a:fld id="{5D61C842-B35D-4459-B706-73C50CD3B277}" type="datetimeFigureOut">
               <a:rPr lang="nl-NL" smtClean="0"/>
-              <a:t>19-5-2021</a:t>
+              <a:t>20-5-2021</a:t>
             </a:fld>
             <a:endParaRPr lang="nl-NL"/>
           </a:p>
@@ -3623,7 +3623,15 @@
           <a:p>
             <a:r>
               <a:rPr lang="en-US" dirty="0"/>
-              <a:t>Land van </a:t>
+              <a:t>Land </a:t>
+            </a:r>
+            <a:r>
+              <a:rPr lang="en-US" dirty="0" err="1"/>
+              <a:t>voor</a:t>
+            </a:r>
+            <a:r>
+              <a:rPr lang="en-US" dirty="0"/>
+              <a:t> </a:t>
             </a:r>
             <a:r>
               <a:rPr lang="en-US" dirty="0" err="1"/>
@@ -3631,12 +3639,17 @@
             </a:r>
             <a:r>
               <a:rPr lang="en-US" dirty="0"/>
-              <a:t> bank</a:t>
-            </a:r>
-          </a:p>
-          <a:p>
-            <a:r>
-              <a:rPr lang="en-US" dirty="0"/>
+              <a:t> </a:t>
+            </a:r>
+            <a:r>
+              <a:rPr lang="en-US" dirty="0" err="1"/>
+              <a:t>landserver</a:t>
+            </a:r>
+            <a:endParaRPr lang="en-US"/>
+          </a:p>
+          <a:p>
+            <a:r>
+              <a:rPr lang="en-US"/>
               <a:t>Flowchart </a:t>
             </a:r>
             <a:r>

--- a/Sprint Planning/Scrum meeting 5.pptx
+++ b/Sprint Planning/Scrum meeting 5.pptx
@@ -311,7 +311,7 @@
           <a:p>
             <a:fld id="{F1AD1AF2-50A6-47A8-A17C-5A47BC7AAECA}" type="slidenum">
               <a:rPr lang="nl-NL" smtClean="0"/>
-              <a:t>‹#›</a:t>
+              <a:t>‹nr.›</a:t>
             </a:fld>
             <a:endParaRPr lang="nl-NL"/>
           </a:p>
@@ -481,7 +481,7 @@
           <a:p>
             <a:fld id="{F1AD1AF2-50A6-47A8-A17C-5A47BC7AAECA}" type="slidenum">
               <a:rPr lang="nl-NL" smtClean="0"/>
-              <a:t>‹#›</a:t>
+              <a:t>‹nr.›</a:t>
             </a:fld>
             <a:endParaRPr lang="nl-NL"/>
           </a:p>
@@ -665,7 +665,7 @@
           <a:p>
             <a:fld id="{F1AD1AF2-50A6-47A8-A17C-5A47BC7AAECA}" type="slidenum">
               <a:rPr lang="nl-NL" smtClean="0"/>
-              <a:t>‹#›</a:t>
+              <a:t>‹nr.›</a:t>
             </a:fld>
             <a:endParaRPr lang="nl-NL"/>
           </a:p>
@@ -835,7 +835,7 @@
           <a:p>
             <a:fld id="{F1AD1AF2-50A6-47A8-A17C-5A47BC7AAECA}" type="slidenum">
               <a:rPr lang="nl-NL" smtClean="0"/>
-              <a:t>‹#›</a:t>
+              <a:t>‹nr.›</a:t>
             </a:fld>
             <a:endParaRPr lang="nl-NL"/>
           </a:p>
@@ -1083,7 +1083,7 @@
           <a:p>
             <a:fld id="{F1AD1AF2-50A6-47A8-A17C-5A47BC7AAECA}" type="slidenum">
               <a:rPr lang="nl-NL" smtClean="0"/>
-              <a:t>‹#›</a:t>
+              <a:t>‹nr.›</a:t>
             </a:fld>
             <a:endParaRPr lang="nl-NL"/>
           </a:p>
@@ -1320,7 +1320,7 @@
           <a:p>
             <a:fld id="{F1AD1AF2-50A6-47A8-A17C-5A47BC7AAECA}" type="slidenum">
               <a:rPr lang="nl-NL" smtClean="0"/>
-              <a:t>‹#›</a:t>
+              <a:t>‹nr.›</a:t>
             </a:fld>
             <a:endParaRPr lang="nl-NL"/>
           </a:p>
@@ -1705,7 +1705,7 @@
           <a:p>
             <a:fld id="{F1AD1AF2-50A6-47A8-A17C-5A47BC7AAECA}" type="slidenum">
               <a:rPr lang="nl-NL" smtClean="0"/>
-              <a:t>‹#›</a:t>
+              <a:t>‹nr.›</a:t>
             </a:fld>
             <a:endParaRPr lang="nl-NL"/>
           </a:p>
@@ -1823,7 +1823,7 @@
           <a:p>
             <a:fld id="{F1AD1AF2-50A6-47A8-A17C-5A47BC7AAECA}" type="slidenum">
               <a:rPr lang="nl-NL" smtClean="0"/>
-              <a:t>‹#›</a:t>
+              <a:t>‹nr.›</a:t>
             </a:fld>
             <a:endParaRPr lang="nl-NL"/>
           </a:p>
@@ -1918,7 +1918,7 @@
           <a:p>
             <a:fld id="{F1AD1AF2-50A6-47A8-A17C-5A47BC7AAECA}" type="slidenum">
               <a:rPr lang="nl-NL" smtClean="0"/>
-              <a:t>‹#›</a:t>
+              <a:t>‹nr.›</a:t>
             </a:fld>
             <a:endParaRPr lang="nl-NL"/>
           </a:p>
@@ -2169,7 +2169,7 @@
           <a:p>
             <a:fld id="{F1AD1AF2-50A6-47A8-A17C-5A47BC7AAECA}" type="slidenum">
               <a:rPr lang="nl-NL" smtClean="0"/>
-              <a:t>‹#›</a:t>
+              <a:t>‹nr.›</a:t>
             </a:fld>
             <a:endParaRPr lang="nl-NL"/>
           </a:p>
@@ -2565,7 +2565,7 @@
           <a:p>
             <a:fld id="{F1AD1AF2-50A6-47A8-A17C-5A47BC7AAECA}" type="slidenum">
               <a:rPr lang="nl-NL" smtClean="0"/>
-              <a:t>‹#›</a:t>
+              <a:t>‹nr.›</a:t>
             </a:fld>
             <a:endParaRPr lang="nl-NL"/>
           </a:p>
@@ -2812,7 +2812,7 @@
           <a:p>
             <a:fld id="{F1AD1AF2-50A6-47A8-A17C-5A47BC7AAECA}" type="slidenum">
               <a:rPr lang="nl-NL" smtClean="0"/>
-              <a:t>‹#›</a:t>
+              <a:t>‹nr.›</a:t>
             </a:fld>
             <a:endParaRPr lang="nl-NL"/>
           </a:p>
@@ -4365,6 +4365,19 @@
               <a:rPr lang="en-US" dirty="0"/>
               <a:t>: 145.24.222.250</a:t>
             </a:r>
+          </a:p>
+          <a:p>
+            <a:r>
+              <a:rPr lang="en-US" dirty="0"/>
+              <a:t>Iban : NI42 FATM 8765 4321</a:t>
+            </a:r>
+          </a:p>
+          <a:p>
+            <a:r>
+              <a:rPr lang="en-US"/>
+              <a:t>Port 22</a:t>
+            </a:r>
+            <a:endParaRPr lang="en-US" dirty="0"/>
           </a:p>
         </p:txBody>
       </p:sp>
@@ -6088,7 +6101,7 @@
             <p:ph idx="1"/>
             <p:extLst>
               <p:ext uri="{D42A27DB-BD31-4B8C-83A1-F6EECF244321}">
-                <p14:modId xmlns:p14="http://schemas.microsoft.com/office/powerpoint/2010/main" val="2852330576"/>
+                <p14:modId xmlns:p14="http://schemas.microsoft.com/office/powerpoint/2010/main" val="2608245778"/>
               </p:ext>
             </p:extLst>
           </p:nvPr>
@@ -6375,19 +6388,7 @@
                         <a:rPr lang="nl-NL" sz="1000" dirty="0">
                           <a:effectLst/>
                         </a:rPr>
-                        <a:t>Het zou fijn zijn als klanten kan pinnen in andere </a:t>
-                      </a:r>
-                      <a:r>
-                        <a:rPr lang="nl-NL" sz="1000" dirty="0" err="1">
-                          <a:effectLst/>
-                        </a:rPr>
-                        <a:t>landeren</a:t>
-                      </a:r>
-                      <a:r>
-                        <a:rPr lang="nl-NL" sz="1000" dirty="0">
-                          <a:effectLst/>
-                        </a:rPr>
-                        <a:t>. Dan weet de klant dat hij/zij met rust kan geld opnemen in andere landen.</a:t>
+                        <a:t>Het zou fijn zijn als klanten kan pinnen in andere landen. Dan weet de klant dat hij/zij met rust kan geld opnemen in andere landen.</a:t>
                       </a:r>
                       <a:endParaRPr lang="nl-NL" sz="1000" dirty="0">
                         <a:effectLst/>

--- a/Sprint Planning/Scrum meeting 5.pptx
+++ b/Sprint Planning/Scrum meeting 5.pptx
@@ -10,7 +10,7 @@
     <p:sldId id="266" r:id="rId4"/>
     <p:sldId id="270" r:id="rId5"/>
     <p:sldId id="267" r:id="rId6"/>
-    <p:sldId id="268" r:id="rId7"/>
+    <p:sldId id="272" r:id="rId7"/>
     <p:sldId id="269" r:id="rId8"/>
     <p:sldId id="271" r:id="rId9"/>
     <p:sldId id="260" r:id="rId10"/>
@@ -4811,30 +4811,6 @@
 <file path=ppt/slides/slide6.xml><?xml version="1.0" encoding="utf-8"?>
 <p:sld xmlns:a="http://schemas.openxmlformats.org/drawingml/2006/main" xmlns:r="http://schemas.openxmlformats.org/officeDocument/2006/relationships" xmlns:p="http://schemas.openxmlformats.org/presentationml/2006/main">
   <p:cSld>
-    <p:bg>
-      <p:bgPr>
-        <a:gradFill rotWithShape="1">
-          <a:gsLst>
-            <a:gs pos="0">
-              <a:schemeClr val="bg1">
-                <a:tint val="94000"/>
-                <a:satMod val="80000"/>
-                <a:lumMod val="106000"/>
-              </a:schemeClr>
-            </a:gs>
-            <a:gs pos="100000">
-              <a:schemeClr val="bg1">
-                <a:shade val="80000"/>
-              </a:schemeClr>
-            </a:gs>
-          </a:gsLst>
-          <a:path path="circle">
-            <a:fillToRect l="43000" r="43000" b="100000"/>
-          </a:path>
-        </a:gradFill>
-        <a:effectLst/>
-      </p:bgPr>
-    </p:bg>
     <p:spTree>
       <p:nvGrpSpPr>
         <p:cNvPr id="1" name=""/>
@@ -4851,10 +4827,10 @@
       </p:grpSpPr>
       <p:sp>
         <p:nvSpPr>
-          <p:cNvPr id="2" name="Titel 1">
+          <p:cNvPr id="2" name="Title 1">
             <a:extLst>
               <a:ext uri="{FF2B5EF4-FFF2-40B4-BE49-F238E27FC236}">
-                <a16:creationId xmlns:a16="http://schemas.microsoft.com/office/drawing/2014/main" id="{8EDE602D-7504-42CF-A276-FE1173F975AB}"/>
+                <a16:creationId xmlns:a16="http://schemas.microsoft.com/office/drawing/2014/main" id="{721E9B45-1128-4059-9B93-384E159D1301}"/>
               </a:ext>
             </a:extLst>
           </p:cNvPr>
@@ -4865,31 +4841,25 @@
             <p:ph type="title"/>
           </p:nvPr>
         </p:nvSpPr>
-        <p:spPr>
-          <a:xfrm>
-            <a:off x="1451580" y="804520"/>
-            <a:ext cx="3530157" cy="1049235"/>
-          </a:xfrm>
-        </p:spPr>
-        <p:txBody>
-          <a:bodyPr>
-            <a:normAutofit/>
-          </a:bodyPr>
+        <p:spPr/>
+        <p:txBody>
+          <a:bodyPr/>
           <a:lstStyle/>
           <a:p>
-            <a:br>
-              <a:rPr lang="en-US" sz="1800" dirty="0"/>
-            </a:br>
-            <a:endParaRPr lang="nl-NL" sz="1800" dirty="0"/>
-          </a:p>
-        </p:txBody>
-      </p:sp>
-      <p:sp>
-        <p:nvSpPr>
-          <p:cNvPr id="1028" name="Content Placeholder 1029">
+            <a:r>
+              <a:rPr lang="en-US" dirty="0" err="1"/>
+              <a:t>demonstratie</a:t>
+            </a:r>
+            <a:endParaRPr lang="en-US" dirty="0"/>
+          </a:p>
+        </p:txBody>
+      </p:sp>
+      <p:sp>
+        <p:nvSpPr>
+          <p:cNvPr id="7" name="Content Placeholder 6">
             <a:extLst>
               <a:ext uri="{FF2B5EF4-FFF2-40B4-BE49-F238E27FC236}">
-                <a16:creationId xmlns:a16="http://schemas.microsoft.com/office/drawing/2014/main" id="{402CF58D-2836-4443-BEBD-29A2E8B862BE}"/>
+                <a16:creationId xmlns:a16="http://schemas.microsoft.com/office/drawing/2014/main" id="{8ECCE279-D9AF-46BC-975F-66D4432D2DE4}"/>
               </a:ext>
             </a:extLst>
           </p:cNvPr>
@@ -4900,293 +4870,53 @@
             <p:ph idx="1"/>
           </p:nvPr>
         </p:nvSpPr>
-        <p:spPr>
-          <a:xfrm>
-            <a:off x="1451581" y="2015732"/>
-            <a:ext cx="3526523" cy="3450613"/>
-          </a:xfrm>
-        </p:spPr>
-        <p:txBody>
-          <a:bodyPr>
-            <a:normAutofit/>
-          </a:bodyPr>
+        <p:spPr/>
+        <p:txBody>
+          <a:bodyPr/>
           <a:lstStyle/>
           <a:p>
-            <a:endParaRPr lang="nl-NL" dirty="0"/>
-          </a:p>
-        </p:txBody>
-      </p:sp>
-      <p:grpSp>
-        <p:nvGrpSpPr>
-          <p:cNvPr id="137" name="Group 136">
-            <a:extLst>
-              <a:ext uri="{FF2B5EF4-FFF2-40B4-BE49-F238E27FC236}">
-                <a16:creationId xmlns:a16="http://schemas.microsoft.com/office/drawing/2014/main" id="{9604219D-896F-415B-9C37-37C3D815D6B4}"/>
-              </a:ext>
-              <a:ext uri="{C183D7F6-B498-43B3-948B-1728B52AA6E4}">
-                <adec:decorative xmlns:adec="http://schemas.microsoft.com/office/drawing/2017/decorative" val="1"/>
-              </a:ext>
-            </a:extLst>
-          </p:cNvPr>
-          <p:cNvGrpSpPr>
-            <a:grpSpLocks noGrp="1" noUngrp="1" noRot="1" noChangeAspect="1" noMove="1" noResize="1"/>
-          </p:cNvGrpSpPr>
-          <p:nvPr>
-            <p:extLst>
-              <p:ext uri="{386F3935-93C4-4BCD-93E2-E3B085C9AB24}">
-                <p16:designElem xmlns:p16="http://schemas.microsoft.com/office/powerpoint/2015/main" val="1"/>
-              </p:ext>
-            </p:extLst>
-          </p:nvPr>
-        </p:nvGrpSpPr>
-        <p:grpSpPr>
-          <a:xfrm>
-            <a:off x="5460131" y="482171"/>
-            <a:ext cx="6091791" cy="5149101"/>
-            <a:chOff x="5460131" y="482171"/>
-            <a:chExt cx="6091791" cy="5149101"/>
-          </a:xfrm>
-        </p:grpSpPr>
-        <p:sp>
-          <p:nvSpPr>
-            <p:cNvPr id="138" name="Rectangle 137">
-              <a:extLst>
-                <a:ext uri="{FF2B5EF4-FFF2-40B4-BE49-F238E27FC236}">
-                  <a16:creationId xmlns:a16="http://schemas.microsoft.com/office/drawing/2014/main" id="{14E9ACF6-3144-4686-85D1-16E3BC2E29A6}"/>
-                </a:ext>
-                <a:ext uri="{C183D7F6-B498-43B3-948B-1728B52AA6E4}">
-                  <adec:decorative xmlns:adec="http://schemas.microsoft.com/office/drawing/2017/decorative" val="1"/>
-                </a:ext>
-              </a:extLst>
-            </p:cNvPr>
-            <p:cNvSpPr/>
-            <p:nvPr>
-              <p:extLst>
-                <p:ext uri="{386F3935-93C4-4BCD-93E2-E3B085C9AB24}">
-                  <p16:designElem xmlns:p16="http://schemas.microsoft.com/office/powerpoint/2015/main" val="1"/>
-                </p:ext>
-              </p:extLst>
-            </p:nvPr>
-          </p:nvSpPr>
-          <p:spPr>
-            <a:xfrm>
-              <a:off x="5460131" y="482171"/>
-              <a:ext cx="6091791" cy="5149101"/>
-            </a:xfrm>
-            <a:prstGeom prst="rect">
-              <a:avLst/>
-            </a:prstGeom>
-            <a:blipFill dpi="0" rotWithShape="1">
-              <a:blip r:embed="rId2">
-                <a:alphaModFix amt="30000"/>
-              </a:blip>
-              <a:srcRect/>
-              <a:tile tx="0" ty="0" sx="100000" sy="100000" flip="none" algn="ctr"/>
-            </a:blipFill>
-            <a:ln w="76200" cmpd="sng">
-              <a:noFill/>
-              <a:miter lim="800000"/>
-            </a:ln>
-            <a:effectLst>
-              <a:outerShdw blurRad="127000" dist="228600" dir="4740000" sx="98000" sy="98000" algn="tl" rotWithShape="0">
-                <a:srgbClr val="000000">
-                  <a:alpha val="34000"/>
-                </a:srgbClr>
-              </a:outerShdw>
-            </a:effectLst>
-            <a:scene3d>
-              <a:camera prst="orthographicFront"/>
-              <a:lightRig rig="threePt" dir="t"/>
-            </a:scene3d>
-            <a:sp3d extrusionH="76200" contourW="12700" prstMaterial="matte">
-              <a:bevelT w="152400" h="50800" prst="softRound"/>
-              <a:extrusionClr>
-                <a:schemeClr val="tx2"/>
-              </a:extrusionClr>
-              <a:contourClr>
-                <a:schemeClr val="bg2"/>
-              </a:contourClr>
-            </a:sp3d>
-          </p:spPr>
-          <p:style>
-            <a:lnRef idx="1">
-              <a:schemeClr val="accent1"/>
-            </a:lnRef>
-            <a:fillRef idx="3">
-              <a:schemeClr val="accent1"/>
-            </a:fillRef>
-            <a:effectRef idx="2">
-              <a:schemeClr val="accent1"/>
-            </a:effectRef>
-            <a:fontRef idx="minor">
-              <a:schemeClr val="lt1"/>
-            </a:fontRef>
-          </p:style>
-          <p:txBody>
-            <a:bodyPr rtlCol="0" anchor="ctr"/>
-            <a:lstStyle/>
-            <a:p>
-              <a:pPr algn="ctr"/>
-              <a:endParaRPr lang="en-US"/>
-            </a:p>
-          </p:txBody>
-        </p:sp>
-        <p:sp>
-          <p:nvSpPr>
-            <p:cNvPr id="139" name="Rectangle 138">
-              <a:extLst>
-                <a:ext uri="{FF2B5EF4-FFF2-40B4-BE49-F238E27FC236}">
-                  <a16:creationId xmlns:a16="http://schemas.microsoft.com/office/drawing/2014/main" id="{C6A238AC-6BAF-49C2-B29F-0C42A28F60C6}"/>
-                </a:ext>
-                <a:ext uri="{C183D7F6-B498-43B3-948B-1728B52AA6E4}">
-                  <adec:decorative xmlns:adec="http://schemas.microsoft.com/office/drawing/2017/decorative" val="1"/>
-                </a:ext>
-              </a:extLst>
-            </p:cNvPr>
-            <p:cNvSpPr/>
-            <p:nvPr>
-              <p:extLst>
-                <p:ext uri="{386F3935-93C4-4BCD-93E2-E3B085C9AB24}">
-                  <p16:designElem xmlns:p16="http://schemas.microsoft.com/office/powerpoint/2015/main" val="1"/>
-                </p:ext>
-              </p:extLst>
-            </p:nvPr>
-          </p:nvSpPr>
-          <p:spPr>
-            <a:xfrm>
-              <a:off x="5778956" y="812507"/>
-              <a:ext cx="5461780" cy="4466452"/>
-            </a:xfrm>
-            <a:prstGeom prst="rect">
-              <a:avLst/>
-            </a:prstGeom>
-            <a:gradFill>
-              <a:gsLst>
-                <a:gs pos="0">
-                  <a:srgbClr val="DADADA"/>
-                </a:gs>
-                <a:gs pos="100000">
-                  <a:srgbClr val="FFFFFE"/>
-                </a:gs>
-              </a:gsLst>
-              <a:lin ang="16200000" scaled="0"/>
-            </a:gradFill>
-            <a:ln w="38100" cmpd="sng">
-              <a:solidFill>
-                <a:schemeClr val="tx2">
-                  <a:lumMod val="25000"/>
-                </a:schemeClr>
-              </a:solidFill>
-              <a:miter lim="800000"/>
-            </a:ln>
-            <a:effectLst>
-              <a:innerShdw blurRad="63500" dist="88900" dir="14100000">
-                <a:srgbClr val="000000">
-                  <a:alpha val="30000"/>
-                </a:srgbClr>
-              </a:innerShdw>
-            </a:effectLst>
-            <a:scene3d>
-              <a:camera prst="orthographicFront"/>
-              <a:lightRig rig="threePt" dir="t"/>
-            </a:scene3d>
-            <a:sp3d>
-              <a:bevelT prst="relaxedInset"/>
-            </a:sp3d>
-          </p:spPr>
-          <p:style>
-            <a:lnRef idx="1">
-              <a:schemeClr val="accent1"/>
-            </a:lnRef>
-            <a:fillRef idx="3">
-              <a:schemeClr val="accent1"/>
-            </a:fillRef>
-            <a:effectRef idx="2">
-              <a:schemeClr val="accent1"/>
-            </a:effectRef>
-            <a:fontRef idx="minor">
-              <a:schemeClr val="lt1"/>
-            </a:fontRef>
-          </p:style>
-          <p:txBody>
-            <a:bodyPr rtlCol="0" anchor="ctr"/>
-            <a:lstStyle/>
-            <a:p>
-              <a:pPr algn="ctr"/>
-              <a:endParaRPr lang="en-US"/>
-            </a:p>
-          </p:txBody>
-        </p:sp>
-      </p:grpSp>
-      <p:sp>
-        <p:nvSpPr>
-          <p:cNvPr id="141" name="Rectangle 140">
-            <a:extLst>
-              <a:ext uri="{FF2B5EF4-FFF2-40B4-BE49-F238E27FC236}">
-                <a16:creationId xmlns:a16="http://schemas.microsoft.com/office/drawing/2014/main" id="{708C352B-BA75-4968-BC2B-5E8FA0717E46}"/>
-              </a:ext>
-              <a:ext uri="{C183D7F6-B498-43B3-948B-1728B52AA6E4}">
-                <adec:decorative xmlns:adec="http://schemas.microsoft.com/office/drawing/2017/decorative" val="1"/>
-              </a:ext>
-            </a:extLst>
-          </p:cNvPr>
-          <p:cNvSpPr>
-            <a:spLocks noGrp="1" noRot="1" noChangeAspect="1" noMove="1" noResize="1" noEditPoints="1" noAdjustHandles="1" noChangeArrowheads="1" noChangeShapeType="1" noTextEdit="1"/>
-          </p:cNvSpPr>
-          <p:nvPr>
-            <p:extLst>
-              <p:ext uri="{386F3935-93C4-4BCD-93E2-E3B085C9AB24}">
-                <p16:designElem xmlns:p16="http://schemas.microsoft.com/office/powerpoint/2015/main" val="1"/>
-              </p:ext>
-            </p:extLst>
-          </p:nvPr>
-        </p:nvSpPr>
-        <p:spPr>
-          <a:xfrm>
-            <a:off x="5942378" y="977099"/>
-            <a:ext cx="5123274" cy="4138331"/>
-          </a:xfrm>
-          <a:prstGeom prst="rect">
-            <a:avLst/>
-          </a:prstGeom>
-          <a:solidFill>
-            <a:srgbClr val="FFFFFE"/>
-          </a:solidFill>
-          <a:ln w="6350">
-            <a:solidFill>
-              <a:schemeClr val="tx2"/>
-            </a:solidFill>
-          </a:ln>
-        </p:spPr>
-        <p:style>
-          <a:lnRef idx="2">
-            <a:schemeClr val="accent1">
-              <a:shade val="50000"/>
-            </a:schemeClr>
-          </a:lnRef>
-          <a:fillRef idx="1">
-            <a:schemeClr val="accent1"/>
-          </a:fillRef>
-          <a:effectRef idx="0">
-            <a:schemeClr val="accent1"/>
-          </a:effectRef>
-          <a:fontRef idx="minor">
-            <a:schemeClr val="lt1"/>
-          </a:fontRef>
-        </p:style>
-        <p:txBody>
-          <a:bodyPr rtlCol="0" anchor="ctr"/>
-          <a:lstStyle/>
-          <a:p>
-            <a:pPr algn="ctr"/>
-            <a:endParaRPr lang="en-US"/>
+            <a:r>
+              <a:rPr lang="en-US" dirty="0" err="1"/>
+              <a:t>Inloggen</a:t>
+            </a:r>
+            <a:endParaRPr lang="en-US" dirty="0"/>
+          </a:p>
+          <a:p>
+            <a:r>
+              <a:rPr lang="en-US" dirty="0" err="1"/>
+              <a:t>Pinnen</a:t>
+            </a:r>
+            <a:endParaRPr lang="en-US" dirty="0"/>
+          </a:p>
+          <a:p>
+            <a:r>
+              <a:rPr lang="en-US" dirty="0"/>
+              <a:t>Stepper </a:t>
+            </a:r>
+            <a:r>
+              <a:rPr lang="en-US" dirty="0" err="1"/>
+              <a:t>motoren</a:t>
+            </a:r>
+            <a:endParaRPr lang="en-US" dirty="0"/>
+          </a:p>
+          <a:p>
+            <a:r>
+              <a:rPr lang="en-US" dirty="0"/>
+              <a:t>Bon printer</a:t>
+            </a:r>
+          </a:p>
+          <a:p>
+            <a:endParaRPr lang="en-US" dirty="0"/>
+          </a:p>
+          <a:p>
+            <a:endParaRPr lang="en-US" dirty="0"/>
           </a:p>
         </p:txBody>
       </p:sp>
     </p:spTree>
     <p:extLst>
       <p:ext uri="{BB962C8B-B14F-4D97-AF65-F5344CB8AC3E}">
-        <p14:creationId xmlns:p14="http://schemas.microsoft.com/office/powerpoint/2010/main" val="3566131501"/>
+        <p14:creationId xmlns:p14="http://schemas.microsoft.com/office/powerpoint/2010/main" val="4085360303"/>
       </p:ext>
     </p:extLst>
   </p:cSld>
